--- a/Presentation.pptx
+++ b/Presentation.pptx
@@ -5,7 +5,7 @@
     <p:sldMasterId id="2147483648" r:id="rId1"/>
   </p:sldMasterIdLst>
   <p:notesMasterIdLst>
-    <p:notesMasterId r:id="rId14"/>
+    <p:notesMasterId r:id="rId16"/>
   </p:notesMasterIdLst>
   <p:sldIdLst>
     <p:sldId id="256" r:id="rId2"/>
@@ -16,10 +16,12 @@
     <p:sldId id="264" r:id="rId7"/>
     <p:sldId id="259" r:id="rId8"/>
     <p:sldId id="263" r:id="rId9"/>
-    <p:sldId id="262" r:id="rId10"/>
+    <p:sldId id="268" r:id="rId10"/>
     <p:sldId id="265" r:id="rId11"/>
     <p:sldId id="266" r:id="rId12"/>
     <p:sldId id="267" r:id="rId13"/>
+    <p:sldId id="269" r:id="rId14"/>
+    <p:sldId id="270" r:id="rId15"/>
   </p:sldIdLst>
   <p:sldSz cx="12192000" cy="6858000"/>
   <p:notesSz cx="6858000" cy="9144000"/>
@@ -118,6 +120,11 @@
       </a:defRPr>
     </a:lvl9pPr>
   </p:defaultTextStyle>
+  <p:extLst>
+    <p:ext uri="{EFAFB233-063F-42B5-8137-9DF3F51BA10A}">
+      <p15:sldGuideLst xmlns:p15="http://schemas.microsoft.com/office/powerpoint/2012/main"/>
+    </p:ext>
+  </p:extLst>
 </p:presentation>
 </file>
 
@@ -203,7 +210,7 @@
           <a:p>
             <a:fld id="{10839DB6-33A8-064B-855B-7AAAC47A2F16}" type="datetimeFigureOut">
               <a:rPr lang="en-US" smtClean="0"/>
-              <a:t>2/18/19</a:t>
+              <a:t>2/19/19</a:t>
             </a:fld>
             <a:endParaRPr lang="en-US"/>
           </a:p>
@@ -606,6 +613,1252 @@
 </p:notes>
 </file>
 
+<file path=ppt/notesSlides/notesSlide10.xml><?xml version="1.0" encoding="utf-8"?>
+<p:notes xmlns:a="http://schemas.openxmlformats.org/drawingml/2006/main" xmlns:r="http://schemas.openxmlformats.org/officeDocument/2006/relationships" xmlns:p="http://schemas.openxmlformats.org/presentationml/2006/main">
+  <p:cSld>
+    <p:spTree>
+      <p:nvGrpSpPr>
+        <p:cNvPr id="1" name=""/>
+        <p:cNvGrpSpPr/>
+        <p:nvPr/>
+      </p:nvGrpSpPr>
+      <p:grpSpPr>
+        <a:xfrm>
+          <a:off x="0" y="0"/>
+          <a:ext cx="0" cy="0"/>
+          <a:chOff x="0" y="0"/>
+          <a:chExt cx="0" cy="0"/>
+        </a:xfrm>
+      </p:grpSpPr>
+      <p:sp>
+        <p:nvSpPr>
+          <p:cNvPr id="2" name="Slide Image Placeholder 1"/>
+          <p:cNvSpPr>
+            <a:spLocks noGrp="1" noRot="1" noChangeAspect="1"/>
+          </p:cNvSpPr>
+          <p:nvPr>
+            <p:ph type="sldImg"/>
+          </p:nvPr>
+        </p:nvSpPr>
+        <p:spPr/>
+      </p:sp>
+      <p:sp>
+        <p:nvSpPr>
+          <p:cNvPr id="3" name="Notes Placeholder 2"/>
+          <p:cNvSpPr>
+            <a:spLocks noGrp="1"/>
+          </p:cNvSpPr>
+          <p:nvPr>
+            <p:ph type="body" idx="1"/>
+          </p:nvPr>
+        </p:nvSpPr>
+        <p:spPr/>
+        <p:txBody>
+          <a:bodyPr/>
+          <a:lstStyle/>
+          <a:p>
+            <a:r>
+              <a:rPr lang="en-US" dirty="0"/>
+              <a:t>Select your own maskers:</a:t>
+            </a:r>
+          </a:p>
+          <a:p>
+            <a:pPr marL="228600" indent="-228600">
+              <a:buFont typeface="+mj-lt"/>
+              <a:buAutoNum type="arabicPeriod"/>
+            </a:pPr>
+            <a:r>
+              <a:rPr lang="en-US" dirty="0"/>
+              <a:t>import </a:t>
+            </a:r>
+            <a:r>
+              <a:rPr lang="en-US" dirty="0" err="1">
+                <a:latin typeface="Consolas" panose="020B0609020204030204" pitchFamily="49" charset="0"/>
+                <a:cs typeface="Consolas" panose="020B0609020204030204" pitchFamily="49" charset="0"/>
+              </a:rPr>
+              <a:t>logging.servlet</a:t>
+            </a:r>
+            <a:r>
+              <a:rPr lang="en-US" dirty="0">
+                <a:latin typeface="Consolas" panose="020B0609020204030204" pitchFamily="49" charset="0"/>
+                <a:cs typeface="Consolas" panose="020B0609020204030204" pitchFamily="49" charset="0"/>
+              </a:rPr>
+              <a:t>._</a:t>
+            </a:r>
+            <a:r>
+              <a:rPr lang="en-US" dirty="0"/>
+              <a:t> and </a:t>
+            </a:r>
+            <a:r>
+              <a:rPr lang="en-US" dirty="0" err="1">
+                <a:latin typeface="Consolas" panose="020B0609020204030204" pitchFamily="49" charset="0"/>
+                <a:cs typeface="Consolas" panose="020B0609020204030204" pitchFamily="49" charset="0"/>
+              </a:rPr>
+              <a:t>logging.servlet.masked</a:t>
+            </a:r>
+            <a:r>
+              <a:rPr lang="en-US" dirty="0">
+                <a:latin typeface="Consolas" panose="020B0609020204030204" pitchFamily="49" charset="0"/>
+                <a:cs typeface="Consolas" panose="020B0609020204030204" pitchFamily="49" charset="0"/>
+              </a:rPr>
+              <a:t>._</a:t>
+            </a:r>
+          </a:p>
+          <a:p>
+            <a:pPr marL="228600" indent="-228600">
+              <a:buFont typeface="+mj-lt"/>
+              <a:buAutoNum type="arabicPeriod"/>
+            </a:pPr>
+            <a:r>
+              <a:rPr lang="en-US" dirty="0"/>
+              <a:t>use </a:t>
+            </a:r>
+            <a:r>
+              <a:rPr lang="en-US" dirty="0" err="1">
+                <a:latin typeface="Consolas" panose="020B0609020204030204" pitchFamily="49" charset="0"/>
+                <a:cs typeface="Consolas" panose="020B0609020204030204" pitchFamily="49" charset="0"/>
+              </a:rPr>
+              <a:t>PlainLogFormatter</a:t>
+            </a:r>
+            <a:r>
+              <a:rPr lang="en-US" dirty="0"/>
+              <a:t> and the maskers of your choice</a:t>
+            </a:r>
+          </a:p>
+        </p:txBody>
+      </p:sp>
+      <p:sp>
+        <p:nvSpPr>
+          <p:cNvPr id="4" name="Slide Number Placeholder 3"/>
+          <p:cNvSpPr>
+            <a:spLocks noGrp="1"/>
+          </p:cNvSpPr>
+          <p:nvPr>
+            <p:ph type="sldNum" sz="quarter" idx="5"/>
+          </p:nvPr>
+        </p:nvSpPr>
+        <p:spPr/>
+        <p:txBody>
+          <a:bodyPr/>
+          <a:lstStyle/>
+          <a:p>
+            <a:fld id="{9D2E8AF1-99A9-3D46-B43C-CF4C4D5441E0}" type="slidenum">
+              <a:rPr lang="en-US" smtClean="0"/>
+              <a:t>11</a:t>
+            </a:fld>
+            <a:endParaRPr lang="en-US"/>
+          </a:p>
+        </p:txBody>
+      </p:sp>
+    </p:spTree>
+    <p:extLst>
+      <p:ext uri="{BB962C8B-B14F-4D97-AF65-F5344CB8AC3E}">
+        <p14:creationId xmlns:p14="http://schemas.microsoft.com/office/powerpoint/2010/main" val="3396609236"/>
+      </p:ext>
+    </p:extLst>
+  </p:cSld>
+  <p:clrMapOvr>
+    <a:masterClrMapping/>
+  </p:clrMapOvr>
+</p:notes>
+</file>
+
+<file path=ppt/notesSlides/notesSlide11.xml><?xml version="1.0" encoding="utf-8"?>
+<p:notes xmlns:a="http://schemas.openxmlformats.org/drawingml/2006/main" xmlns:r="http://schemas.openxmlformats.org/officeDocument/2006/relationships" xmlns:p="http://schemas.openxmlformats.org/presentationml/2006/main">
+  <p:cSld>
+    <p:spTree>
+      <p:nvGrpSpPr>
+        <p:cNvPr id="1" name=""/>
+        <p:cNvGrpSpPr/>
+        <p:nvPr/>
+      </p:nvGrpSpPr>
+      <p:grpSpPr>
+        <a:xfrm>
+          <a:off x="0" y="0"/>
+          <a:ext cx="0" cy="0"/>
+          <a:chOff x="0" y="0"/>
+          <a:chExt cx="0" cy="0"/>
+        </a:xfrm>
+      </p:grpSpPr>
+      <p:sp>
+        <p:nvSpPr>
+          <p:cNvPr id="2" name="Slide Image Placeholder 1"/>
+          <p:cNvSpPr>
+            <a:spLocks noGrp="1" noRot="1" noChangeAspect="1"/>
+          </p:cNvSpPr>
+          <p:nvPr>
+            <p:ph type="sldImg"/>
+          </p:nvPr>
+        </p:nvSpPr>
+        <p:spPr/>
+      </p:sp>
+      <p:sp>
+        <p:nvSpPr>
+          <p:cNvPr id="3" name="Notes Placeholder 2"/>
+          <p:cNvSpPr>
+            <a:spLocks noGrp="1"/>
+          </p:cNvSpPr>
+          <p:nvPr>
+            <p:ph type="body" idx="1"/>
+          </p:nvPr>
+        </p:nvSpPr>
+        <p:spPr/>
+        <p:txBody>
+          <a:bodyPr/>
+          <a:lstStyle/>
+          <a:p>
+            <a:r>
+              <a:rPr lang="en-US" dirty="0"/>
+              <a:t>There are a number of predefined maskers that can be used</a:t>
+            </a:r>
+          </a:p>
+          <a:p>
+            <a:pPr marL="171450" indent="-171450">
+              <a:buFont typeface="Arial" panose="020B0604020202020204" pitchFamily="34" charset="0"/>
+              <a:buChar char="•"/>
+            </a:pPr>
+            <a:r>
+              <a:rPr lang="en-US" dirty="0"/>
+              <a:t>All request maskers are combined in </a:t>
+            </a:r>
+            <a:r>
+              <a:rPr lang="en-US" dirty="0" err="1">
+                <a:latin typeface="Consolas" panose="020B0609020204030204" pitchFamily="49" charset="0"/>
+                <a:cs typeface="Consolas" panose="020B0609020204030204" pitchFamily="49" charset="0"/>
+              </a:rPr>
+              <a:t>MaskedRequestLogFormatter</a:t>
+            </a:r>
+            <a:endParaRPr lang="en-US" dirty="0">
+              <a:latin typeface="Consolas" panose="020B0609020204030204" pitchFamily="49" charset="0"/>
+              <a:cs typeface="Consolas" panose="020B0609020204030204" pitchFamily="49" charset="0"/>
+            </a:endParaRPr>
+          </a:p>
+          <a:p>
+            <a:pPr marL="171450" indent="-171450">
+              <a:buFont typeface="Arial" panose="020B0604020202020204" pitchFamily="34" charset="0"/>
+              <a:buChar char="•"/>
+            </a:pPr>
+            <a:r>
+              <a:rPr lang="en-US" dirty="0"/>
+              <a:t>All response maskers are combined in </a:t>
+            </a:r>
+            <a:r>
+              <a:rPr lang="en-US" dirty="0" err="1">
+                <a:latin typeface="Consolas" panose="020B0609020204030204" pitchFamily="49" charset="0"/>
+                <a:cs typeface="Consolas" panose="020B0609020204030204" pitchFamily="49" charset="0"/>
+              </a:rPr>
+              <a:t>MaskedResponseLogFormatter</a:t>
+            </a:r>
+            <a:endParaRPr lang="en-US" dirty="0">
+              <a:latin typeface="Consolas" panose="020B0609020204030204" pitchFamily="49" charset="0"/>
+              <a:cs typeface="Consolas" panose="020B0609020204030204" pitchFamily="49" charset="0"/>
+            </a:endParaRPr>
+          </a:p>
+          <a:p>
+            <a:pPr marL="171450" indent="-171450">
+              <a:buFont typeface="Arial" panose="020B0604020202020204" pitchFamily="34" charset="0"/>
+              <a:buChar char="•"/>
+            </a:pPr>
+            <a:r>
+              <a:rPr lang="en-US" dirty="0"/>
+              <a:t>All maskers are combined in </a:t>
+            </a:r>
+            <a:r>
+              <a:rPr lang="en-US" dirty="0" err="1">
+                <a:latin typeface="Consolas" panose="020B0609020204030204" pitchFamily="49" charset="0"/>
+                <a:cs typeface="Consolas" panose="020B0609020204030204" pitchFamily="49" charset="0"/>
+              </a:rPr>
+              <a:t>MaskedLogFormatter</a:t>
+            </a:r>
+            <a:endParaRPr lang="en-US" dirty="0">
+              <a:latin typeface="Consolas" panose="020B0609020204030204" pitchFamily="49" charset="0"/>
+              <a:cs typeface="Consolas" panose="020B0609020204030204" pitchFamily="49" charset="0"/>
+            </a:endParaRPr>
+          </a:p>
+        </p:txBody>
+      </p:sp>
+      <p:sp>
+        <p:nvSpPr>
+          <p:cNvPr id="4" name="Slide Number Placeholder 3"/>
+          <p:cNvSpPr>
+            <a:spLocks noGrp="1"/>
+          </p:cNvSpPr>
+          <p:nvPr>
+            <p:ph type="sldNum" sz="quarter" idx="5"/>
+          </p:nvPr>
+        </p:nvSpPr>
+        <p:spPr/>
+        <p:txBody>
+          <a:bodyPr/>
+          <a:lstStyle/>
+          <a:p>
+            <a:fld id="{9D2E8AF1-99A9-3D46-B43C-CF4C4D5441E0}" type="slidenum">
+              <a:rPr lang="en-US" smtClean="0"/>
+              <a:t>12</a:t>
+            </a:fld>
+            <a:endParaRPr lang="en-US"/>
+          </a:p>
+        </p:txBody>
+      </p:sp>
+    </p:spTree>
+    <p:extLst>
+      <p:ext uri="{BB962C8B-B14F-4D97-AF65-F5344CB8AC3E}">
+        <p14:creationId xmlns:p14="http://schemas.microsoft.com/office/powerpoint/2010/main" val="997288168"/>
+      </p:ext>
+    </p:extLst>
+  </p:cSld>
+  <p:clrMapOvr>
+    <a:masterClrMapping/>
+  </p:clrMapOvr>
+</p:notes>
+</file>
+
+<file path=ppt/notesSlides/notesSlide2.xml><?xml version="1.0" encoding="utf-8"?>
+<p:notes xmlns:a="http://schemas.openxmlformats.org/drawingml/2006/main" xmlns:r="http://schemas.openxmlformats.org/officeDocument/2006/relationships" xmlns:p="http://schemas.openxmlformats.org/presentationml/2006/main">
+  <p:cSld>
+    <p:spTree>
+      <p:nvGrpSpPr>
+        <p:cNvPr id="1" name=""/>
+        <p:cNvGrpSpPr/>
+        <p:nvPr/>
+      </p:nvGrpSpPr>
+      <p:grpSpPr>
+        <a:xfrm>
+          <a:off x="0" y="0"/>
+          <a:ext cx="0" cy="0"/>
+          <a:chOff x="0" y="0"/>
+          <a:chExt cx="0" cy="0"/>
+        </a:xfrm>
+      </p:grpSpPr>
+      <p:sp>
+        <p:nvSpPr>
+          <p:cNvPr id="2" name="Slide Image Placeholder 1"/>
+          <p:cNvSpPr>
+            <a:spLocks noGrp="1" noRot="1" noChangeAspect="1"/>
+          </p:cNvSpPr>
+          <p:nvPr>
+            <p:ph type="sldImg"/>
+          </p:nvPr>
+        </p:nvSpPr>
+        <p:spPr/>
+      </p:sp>
+      <p:sp>
+        <p:nvSpPr>
+          <p:cNvPr id="3" name="Notes Placeholder 2"/>
+          <p:cNvSpPr>
+            <a:spLocks noGrp="1"/>
+          </p:cNvSpPr>
+          <p:nvPr>
+            <p:ph type="body" idx="1"/>
+          </p:nvPr>
+        </p:nvSpPr>
+        <p:spPr/>
+        <p:txBody>
+          <a:bodyPr/>
+          <a:lstStyle/>
+          <a:p>
+            <a:r>
+              <a:rPr lang="en-US" dirty="0"/>
+              <a:t>Desired output when calling a servlet</a:t>
+            </a:r>
+          </a:p>
+          <a:p>
+            <a:r>
+              <a:rPr lang="en-US" dirty="0"/>
+              <a:t>Notice in response, the body is NOT logged</a:t>
+            </a:r>
+          </a:p>
+        </p:txBody>
+      </p:sp>
+      <p:sp>
+        <p:nvSpPr>
+          <p:cNvPr id="4" name="Slide Number Placeholder 3"/>
+          <p:cNvSpPr>
+            <a:spLocks noGrp="1"/>
+          </p:cNvSpPr>
+          <p:nvPr>
+            <p:ph type="sldNum" sz="quarter" idx="5"/>
+          </p:nvPr>
+        </p:nvSpPr>
+        <p:spPr/>
+        <p:txBody>
+          <a:bodyPr/>
+          <a:lstStyle/>
+          <a:p>
+            <a:fld id="{9D2E8AF1-99A9-3D46-B43C-CF4C4D5441E0}" type="slidenum">
+              <a:rPr lang="en-US" smtClean="0"/>
+              <a:t>3</a:t>
+            </a:fld>
+            <a:endParaRPr lang="en-US"/>
+          </a:p>
+        </p:txBody>
+      </p:sp>
+    </p:spTree>
+    <p:extLst>
+      <p:ext uri="{BB962C8B-B14F-4D97-AF65-F5344CB8AC3E}">
+        <p14:creationId xmlns:p14="http://schemas.microsoft.com/office/powerpoint/2010/main" val="951209495"/>
+      </p:ext>
+    </p:extLst>
+  </p:cSld>
+  <p:clrMapOvr>
+    <a:masterClrMapping/>
+  </p:clrMapOvr>
+</p:notes>
+</file>
+
+<file path=ppt/notesSlides/notesSlide3.xml><?xml version="1.0" encoding="utf-8"?>
+<p:notes xmlns:a="http://schemas.openxmlformats.org/drawingml/2006/main" xmlns:r="http://schemas.openxmlformats.org/officeDocument/2006/relationships" xmlns:p="http://schemas.openxmlformats.org/presentationml/2006/main">
+  <p:cSld>
+    <p:spTree>
+      <p:nvGrpSpPr>
+        <p:cNvPr id="1" name=""/>
+        <p:cNvGrpSpPr/>
+        <p:nvPr/>
+      </p:nvGrpSpPr>
+      <p:grpSpPr>
+        <a:xfrm>
+          <a:off x="0" y="0"/>
+          <a:ext cx="0" cy="0"/>
+          <a:chOff x="0" y="0"/>
+          <a:chExt cx="0" cy="0"/>
+        </a:xfrm>
+      </p:grpSpPr>
+      <p:sp>
+        <p:nvSpPr>
+          <p:cNvPr id="2" name="Slide Image Placeholder 1"/>
+          <p:cNvSpPr>
+            <a:spLocks noGrp="1" noRot="1" noChangeAspect="1"/>
+          </p:cNvSpPr>
+          <p:nvPr>
+            <p:ph type="sldImg"/>
+          </p:nvPr>
+        </p:nvSpPr>
+        <p:spPr/>
+      </p:sp>
+      <p:sp>
+        <p:nvSpPr>
+          <p:cNvPr id="3" name="Notes Placeholder 2"/>
+          <p:cNvSpPr>
+            <a:spLocks noGrp="1"/>
+          </p:cNvSpPr>
+          <p:nvPr>
+            <p:ph type="body" idx="1"/>
+          </p:nvPr>
+        </p:nvSpPr>
+        <p:spPr/>
+        <p:txBody>
+          <a:bodyPr/>
+          <a:lstStyle/>
+          <a:p>
+            <a:r>
+              <a:rPr lang="en-US" dirty="0"/>
+              <a:t>Invalid POST call, where no parameter value is given</a:t>
+            </a:r>
+          </a:p>
+        </p:txBody>
+      </p:sp>
+      <p:sp>
+        <p:nvSpPr>
+          <p:cNvPr id="4" name="Slide Number Placeholder 3"/>
+          <p:cNvSpPr>
+            <a:spLocks noGrp="1"/>
+          </p:cNvSpPr>
+          <p:nvPr>
+            <p:ph type="sldNum" sz="quarter" idx="5"/>
+          </p:nvPr>
+        </p:nvSpPr>
+        <p:spPr/>
+        <p:txBody>
+          <a:bodyPr/>
+          <a:lstStyle/>
+          <a:p>
+            <a:fld id="{9D2E8AF1-99A9-3D46-B43C-CF4C4D5441E0}" type="slidenum">
+              <a:rPr lang="en-US" smtClean="0"/>
+              <a:t>4</a:t>
+            </a:fld>
+            <a:endParaRPr lang="en-US"/>
+          </a:p>
+        </p:txBody>
+      </p:sp>
+    </p:spTree>
+    <p:extLst>
+      <p:ext uri="{BB962C8B-B14F-4D97-AF65-F5344CB8AC3E}">
+        <p14:creationId xmlns:p14="http://schemas.microsoft.com/office/powerpoint/2010/main" val="1470958676"/>
+      </p:ext>
+    </p:extLst>
+  </p:cSld>
+  <p:clrMapOvr>
+    <a:masterClrMapping/>
+  </p:clrMapOvr>
+</p:notes>
+</file>
+
+<file path=ppt/notesSlides/notesSlide4.xml><?xml version="1.0" encoding="utf-8"?>
+<p:notes xmlns:a="http://schemas.openxmlformats.org/drawingml/2006/main" xmlns:r="http://schemas.openxmlformats.org/officeDocument/2006/relationships" xmlns:p="http://schemas.openxmlformats.org/presentationml/2006/main">
+  <p:cSld>
+    <p:spTree>
+      <p:nvGrpSpPr>
+        <p:cNvPr id="1" name=""/>
+        <p:cNvGrpSpPr/>
+        <p:nvPr/>
+      </p:nvGrpSpPr>
+      <p:grpSpPr>
+        <a:xfrm>
+          <a:off x="0" y="0"/>
+          <a:ext cx="0" cy="0"/>
+          <a:chOff x="0" y="0"/>
+          <a:chExt cx="0" cy="0"/>
+        </a:xfrm>
+      </p:grpSpPr>
+      <p:sp>
+        <p:nvSpPr>
+          <p:cNvPr id="2" name="Slide Image Placeholder 1"/>
+          <p:cNvSpPr>
+            <a:spLocks noGrp="1" noRot="1" noChangeAspect="1"/>
+          </p:cNvSpPr>
+          <p:nvPr>
+            <p:ph type="sldImg"/>
+          </p:nvPr>
+        </p:nvSpPr>
+        <p:spPr/>
+      </p:sp>
+      <p:sp>
+        <p:nvSpPr>
+          <p:cNvPr id="3" name="Notes Placeholder 2"/>
+          <p:cNvSpPr>
+            <a:spLocks noGrp="1"/>
+          </p:cNvSpPr>
+          <p:nvPr>
+            <p:ph type="body" idx="1"/>
+          </p:nvPr>
+        </p:nvSpPr>
+        <p:spPr/>
+        <p:txBody>
+          <a:bodyPr/>
+          <a:lstStyle/>
+          <a:p>
+            <a:r>
+              <a:rPr lang="en-US" dirty="0"/>
+              <a:t>Valid POST call with parameter key &amp; value</a:t>
+            </a:r>
+          </a:p>
+        </p:txBody>
+      </p:sp>
+      <p:sp>
+        <p:nvSpPr>
+          <p:cNvPr id="4" name="Slide Number Placeholder 3"/>
+          <p:cNvSpPr>
+            <a:spLocks noGrp="1"/>
+          </p:cNvSpPr>
+          <p:nvPr>
+            <p:ph type="sldNum" sz="quarter" idx="5"/>
+          </p:nvPr>
+        </p:nvSpPr>
+        <p:spPr/>
+        <p:txBody>
+          <a:bodyPr/>
+          <a:lstStyle/>
+          <a:p>
+            <a:fld id="{9D2E8AF1-99A9-3D46-B43C-CF4C4D5441E0}" type="slidenum">
+              <a:rPr lang="en-US" smtClean="0"/>
+              <a:t>5</a:t>
+            </a:fld>
+            <a:endParaRPr lang="en-US"/>
+          </a:p>
+        </p:txBody>
+      </p:sp>
+    </p:spTree>
+    <p:extLst>
+      <p:ext uri="{BB962C8B-B14F-4D97-AF65-F5344CB8AC3E}">
+        <p14:creationId xmlns:p14="http://schemas.microsoft.com/office/powerpoint/2010/main" val="2041469696"/>
+      </p:ext>
+    </p:extLst>
+  </p:cSld>
+  <p:clrMapOvr>
+    <a:masterClrMapping/>
+  </p:clrMapOvr>
+</p:notes>
+</file>
+
+<file path=ppt/notesSlides/notesSlide5.xml><?xml version="1.0" encoding="utf-8"?>
+<p:notes xmlns:a="http://schemas.openxmlformats.org/drawingml/2006/main" xmlns:r="http://schemas.openxmlformats.org/officeDocument/2006/relationships" xmlns:p="http://schemas.openxmlformats.org/presentationml/2006/main">
+  <p:cSld>
+    <p:spTree>
+      <p:nvGrpSpPr>
+        <p:cNvPr id="1" name=""/>
+        <p:cNvGrpSpPr/>
+        <p:nvPr/>
+      </p:nvGrpSpPr>
+      <p:grpSpPr>
+        <a:xfrm>
+          <a:off x="0" y="0"/>
+          <a:ext cx="0" cy="0"/>
+          <a:chOff x="0" y="0"/>
+          <a:chExt cx="0" cy="0"/>
+        </a:xfrm>
+      </p:grpSpPr>
+      <p:sp>
+        <p:nvSpPr>
+          <p:cNvPr id="2" name="Slide Image Placeholder 1"/>
+          <p:cNvSpPr>
+            <a:spLocks noGrp="1" noRot="1" noChangeAspect="1"/>
+          </p:cNvSpPr>
+          <p:nvPr>
+            <p:ph type="sldImg"/>
+          </p:nvPr>
+        </p:nvSpPr>
+        <p:spPr/>
+      </p:sp>
+      <p:sp>
+        <p:nvSpPr>
+          <p:cNvPr id="3" name="Notes Placeholder 2"/>
+          <p:cNvSpPr>
+            <a:spLocks noGrp="1"/>
+          </p:cNvSpPr>
+          <p:nvPr>
+            <p:ph type="body" idx="1"/>
+          </p:nvPr>
+        </p:nvSpPr>
+        <p:spPr/>
+        <p:txBody>
+          <a:bodyPr/>
+          <a:lstStyle/>
+          <a:p>
+            <a:r>
+              <a:rPr lang="en-US" dirty="0"/>
+              <a:t>Masking of sensitive data for outside facing services</a:t>
+            </a:r>
+          </a:p>
+        </p:txBody>
+      </p:sp>
+      <p:sp>
+        <p:nvSpPr>
+          <p:cNvPr id="4" name="Slide Number Placeholder 3"/>
+          <p:cNvSpPr>
+            <a:spLocks noGrp="1"/>
+          </p:cNvSpPr>
+          <p:nvPr>
+            <p:ph type="sldNum" sz="quarter" idx="5"/>
+          </p:nvPr>
+        </p:nvSpPr>
+        <p:spPr/>
+        <p:txBody>
+          <a:bodyPr/>
+          <a:lstStyle/>
+          <a:p>
+            <a:fld id="{9D2E8AF1-99A9-3D46-B43C-CF4C4D5441E0}" type="slidenum">
+              <a:rPr lang="en-US" smtClean="0"/>
+              <a:t>6</a:t>
+            </a:fld>
+            <a:endParaRPr lang="en-US"/>
+          </a:p>
+        </p:txBody>
+      </p:sp>
+    </p:spTree>
+    <p:extLst>
+      <p:ext uri="{BB962C8B-B14F-4D97-AF65-F5344CB8AC3E}">
+        <p14:creationId xmlns:p14="http://schemas.microsoft.com/office/powerpoint/2010/main" val="1080230553"/>
+      </p:ext>
+    </p:extLst>
+  </p:cSld>
+  <p:clrMapOvr>
+    <a:masterClrMapping/>
+  </p:clrMapOvr>
+</p:notes>
+</file>
+
+<file path=ppt/notesSlides/notesSlide6.xml><?xml version="1.0" encoding="utf-8"?>
+<p:notes xmlns:a="http://schemas.openxmlformats.org/drawingml/2006/main" xmlns:r="http://schemas.openxmlformats.org/officeDocument/2006/relationships" xmlns:p="http://schemas.openxmlformats.org/presentationml/2006/main">
+  <p:cSld>
+    <p:spTree>
+      <p:nvGrpSpPr>
+        <p:cNvPr id="1" name=""/>
+        <p:cNvGrpSpPr/>
+        <p:nvPr/>
+      </p:nvGrpSpPr>
+      <p:grpSpPr>
+        <a:xfrm>
+          <a:off x="0" y="0"/>
+          <a:ext cx="0" cy="0"/>
+          <a:chOff x="0" y="0"/>
+          <a:chExt cx="0" cy="0"/>
+        </a:xfrm>
+      </p:grpSpPr>
+      <p:sp>
+        <p:nvSpPr>
+          <p:cNvPr id="2" name="Slide Image Placeholder 1"/>
+          <p:cNvSpPr>
+            <a:spLocks noGrp="1" noRot="1" noChangeAspect="1"/>
+          </p:cNvSpPr>
+          <p:nvPr>
+            <p:ph type="sldImg"/>
+          </p:nvPr>
+        </p:nvSpPr>
+        <p:spPr/>
+      </p:sp>
+      <p:sp>
+        <p:nvSpPr>
+          <p:cNvPr id="3" name="Notes Placeholder 2"/>
+          <p:cNvSpPr>
+            <a:spLocks noGrp="1"/>
+          </p:cNvSpPr>
+          <p:nvPr>
+            <p:ph type="body" idx="1"/>
+          </p:nvPr>
+        </p:nvSpPr>
+        <p:spPr/>
+        <p:txBody>
+          <a:bodyPr/>
+          <a:lstStyle/>
+          <a:p>
+            <a:r>
+              <a:rPr lang="en-US" dirty="0"/>
+              <a:t>In EASY log files it’s </a:t>
+            </a:r>
+            <a:r>
+              <a:rPr lang="en-US" dirty="0" err="1"/>
+              <a:t>gonna</a:t>
+            </a:r>
+            <a:r>
+              <a:rPr lang="en-US" dirty="0"/>
+              <a:t> show up like this</a:t>
+            </a:r>
+          </a:p>
+        </p:txBody>
+      </p:sp>
+      <p:sp>
+        <p:nvSpPr>
+          <p:cNvPr id="4" name="Slide Number Placeholder 3"/>
+          <p:cNvSpPr>
+            <a:spLocks noGrp="1"/>
+          </p:cNvSpPr>
+          <p:nvPr>
+            <p:ph type="sldNum" sz="quarter" idx="5"/>
+          </p:nvPr>
+        </p:nvSpPr>
+        <p:spPr/>
+        <p:txBody>
+          <a:bodyPr/>
+          <a:lstStyle/>
+          <a:p>
+            <a:fld id="{9D2E8AF1-99A9-3D46-B43C-CF4C4D5441E0}" type="slidenum">
+              <a:rPr lang="en-US" smtClean="0"/>
+              <a:t>7</a:t>
+            </a:fld>
+            <a:endParaRPr lang="en-US"/>
+          </a:p>
+        </p:txBody>
+      </p:sp>
+    </p:spTree>
+    <p:extLst>
+      <p:ext uri="{BB962C8B-B14F-4D97-AF65-F5344CB8AC3E}">
+        <p14:creationId xmlns:p14="http://schemas.microsoft.com/office/powerpoint/2010/main" val="2955965797"/>
+      </p:ext>
+    </p:extLst>
+  </p:cSld>
+  <p:clrMapOvr>
+    <a:masterClrMapping/>
+  </p:clrMapOvr>
+</p:notes>
+</file>
+
+<file path=ppt/notesSlides/notesSlide7.xml><?xml version="1.0" encoding="utf-8"?>
+<p:notes xmlns:a="http://schemas.openxmlformats.org/drawingml/2006/main" xmlns:r="http://schemas.openxmlformats.org/officeDocument/2006/relationships" xmlns:p="http://schemas.openxmlformats.org/presentationml/2006/main">
+  <p:cSld>
+    <p:spTree>
+      <p:nvGrpSpPr>
+        <p:cNvPr id="1" name=""/>
+        <p:cNvGrpSpPr/>
+        <p:nvPr/>
+      </p:nvGrpSpPr>
+      <p:grpSpPr>
+        <a:xfrm>
+          <a:off x="0" y="0"/>
+          <a:ext cx="0" cy="0"/>
+          <a:chOff x="0" y="0"/>
+          <a:chExt cx="0" cy="0"/>
+        </a:xfrm>
+      </p:grpSpPr>
+      <p:sp>
+        <p:nvSpPr>
+          <p:cNvPr id="2" name="Slide Image Placeholder 1"/>
+          <p:cNvSpPr>
+            <a:spLocks noGrp="1" noRot="1" noChangeAspect="1"/>
+          </p:cNvSpPr>
+          <p:nvPr>
+            <p:ph type="sldImg"/>
+          </p:nvPr>
+        </p:nvSpPr>
+        <p:spPr/>
+      </p:sp>
+      <p:sp>
+        <p:nvSpPr>
+          <p:cNvPr id="3" name="Notes Placeholder 2"/>
+          <p:cNvSpPr>
+            <a:spLocks noGrp="1"/>
+          </p:cNvSpPr>
+          <p:nvPr>
+            <p:ph type="body" idx="1"/>
+          </p:nvPr>
+        </p:nvSpPr>
+        <p:spPr/>
+        <p:txBody>
+          <a:bodyPr/>
+          <a:lstStyle/>
+          <a:p>
+            <a:r>
+              <a:rPr lang="en-US" dirty="0"/>
+              <a:t>How do we get here?</a:t>
+            </a:r>
+          </a:p>
+          <a:p>
+            <a:r>
+              <a:rPr lang="en-US" dirty="0"/>
+              <a:t>This is how a servlet is set up using </a:t>
+            </a:r>
+            <a:r>
+              <a:rPr lang="en-US" dirty="0" err="1"/>
+              <a:t>Scalatra</a:t>
+            </a:r>
+            <a:r>
+              <a:rPr lang="en-US" dirty="0"/>
+              <a:t>.</a:t>
+            </a:r>
+          </a:p>
+        </p:txBody>
+      </p:sp>
+      <p:sp>
+        <p:nvSpPr>
+          <p:cNvPr id="4" name="Slide Number Placeholder 3"/>
+          <p:cNvSpPr>
+            <a:spLocks noGrp="1"/>
+          </p:cNvSpPr>
+          <p:nvPr>
+            <p:ph type="sldNum" sz="quarter" idx="5"/>
+          </p:nvPr>
+        </p:nvSpPr>
+        <p:spPr/>
+        <p:txBody>
+          <a:bodyPr/>
+          <a:lstStyle/>
+          <a:p>
+            <a:fld id="{9D2E8AF1-99A9-3D46-B43C-CF4C4D5441E0}" type="slidenum">
+              <a:rPr lang="en-US" smtClean="0"/>
+              <a:t>8</a:t>
+            </a:fld>
+            <a:endParaRPr lang="en-US"/>
+          </a:p>
+        </p:txBody>
+      </p:sp>
+    </p:spTree>
+    <p:extLst>
+      <p:ext uri="{BB962C8B-B14F-4D97-AF65-F5344CB8AC3E}">
+        <p14:creationId xmlns:p14="http://schemas.microsoft.com/office/powerpoint/2010/main" val="3086341256"/>
+      </p:ext>
+    </p:extLst>
+  </p:cSld>
+  <p:clrMapOvr>
+    <a:masterClrMapping/>
+  </p:clrMapOvr>
+</p:notes>
+</file>
+
+<file path=ppt/notesSlides/notesSlide8.xml><?xml version="1.0" encoding="utf-8"?>
+<p:notes xmlns:a="http://schemas.openxmlformats.org/drawingml/2006/main" xmlns:r="http://schemas.openxmlformats.org/officeDocument/2006/relationships" xmlns:p="http://schemas.openxmlformats.org/presentationml/2006/main">
+  <p:cSld>
+    <p:spTree>
+      <p:nvGrpSpPr>
+        <p:cNvPr id="1" name=""/>
+        <p:cNvGrpSpPr/>
+        <p:nvPr/>
+      </p:nvGrpSpPr>
+      <p:grpSpPr>
+        <a:xfrm>
+          <a:off x="0" y="0"/>
+          <a:ext cx="0" cy="0"/>
+          <a:chOff x="0" y="0"/>
+          <a:chExt cx="0" cy="0"/>
+        </a:xfrm>
+      </p:grpSpPr>
+      <p:sp>
+        <p:nvSpPr>
+          <p:cNvPr id="2" name="Slide Image Placeholder 1"/>
+          <p:cNvSpPr>
+            <a:spLocks noGrp="1" noRot="1" noChangeAspect="1"/>
+          </p:cNvSpPr>
+          <p:nvPr>
+            <p:ph type="sldImg"/>
+          </p:nvPr>
+        </p:nvSpPr>
+        <p:spPr/>
+      </p:sp>
+      <p:sp>
+        <p:nvSpPr>
+          <p:cNvPr id="3" name="Notes Placeholder 2"/>
+          <p:cNvSpPr>
+            <a:spLocks noGrp="1"/>
+          </p:cNvSpPr>
+          <p:nvPr>
+            <p:ph type="body" idx="1"/>
+          </p:nvPr>
+        </p:nvSpPr>
+        <p:spPr/>
+        <p:txBody>
+          <a:bodyPr/>
+          <a:lstStyle/>
+          <a:p>
+            <a:r>
+              <a:rPr lang="en-US" dirty="0"/>
+              <a:t>Add plain servlet logging:</a:t>
+            </a:r>
+          </a:p>
+          <a:p>
+            <a:pPr marL="228600" indent="-228600">
+              <a:buFont typeface="+mj-lt"/>
+              <a:buAutoNum type="arabicPeriod"/>
+            </a:pPr>
+            <a:r>
+              <a:rPr lang="en-US" dirty="0"/>
+              <a:t>import </a:t>
+            </a:r>
+            <a:r>
+              <a:rPr lang="en-US" dirty="0" err="1">
+                <a:latin typeface="Consolas" panose="020B0609020204030204" pitchFamily="49" charset="0"/>
+                <a:cs typeface="Consolas" panose="020B0609020204030204" pitchFamily="49" charset="0"/>
+              </a:rPr>
+              <a:t>logging.servlet</a:t>
+            </a:r>
+            <a:r>
+              <a:rPr lang="en-US" dirty="0">
+                <a:latin typeface="Consolas" panose="020B0609020204030204" pitchFamily="49" charset="0"/>
+                <a:cs typeface="Consolas" panose="020B0609020204030204" pitchFamily="49" charset="0"/>
+              </a:rPr>
+              <a:t>._</a:t>
+            </a:r>
+            <a:r>
+              <a:rPr lang="en-US" dirty="0"/>
+              <a:t> package</a:t>
+            </a:r>
+          </a:p>
+          <a:p>
+            <a:pPr marL="228600" indent="-228600">
+              <a:buFont typeface="+mj-lt"/>
+              <a:buAutoNum type="arabicPeriod"/>
+            </a:pPr>
+            <a:r>
+              <a:rPr lang="en-US" dirty="0"/>
+              <a:t>add </a:t>
+            </a:r>
+            <a:r>
+              <a:rPr lang="en-US" dirty="0" err="1">
+                <a:latin typeface="Consolas" panose="020B0609020204030204" pitchFamily="49" charset="0"/>
+                <a:cs typeface="Consolas" panose="020B0609020204030204" pitchFamily="49" charset="0"/>
+              </a:rPr>
+              <a:t>ServletLogger</a:t>
+            </a:r>
+            <a:r>
+              <a:rPr lang="en-US" dirty="0"/>
+              <a:t>, </a:t>
+            </a:r>
+            <a:r>
+              <a:rPr lang="en-US" dirty="0" err="1">
+                <a:latin typeface="Consolas" panose="020B0609020204030204" pitchFamily="49" charset="0"/>
+                <a:cs typeface="Consolas" panose="020B0609020204030204" pitchFamily="49" charset="0"/>
+              </a:rPr>
+              <a:t>PlainLogFormatter</a:t>
+            </a:r>
+            <a:r>
+              <a:rPr lang="en-US" dirty="0"/>
+              <a:t> and </a:t>
+            </a:r>
+            <a:r>
+              <a:rPr lang="en-US" dirty="0" err="1">
+                <a:latin typeface="Consolas" panose="020B0609020204030204" pitchFamily="49" charset="0"/>
+                <a:cs typeface="Consolas" panose="020B0609020204030204" pitchFamily="49" charset="0"/>
+              </a:rPr>
+              <a:t>DebugEnhancedLogging</a:t>
+            </a:r>
+            <a:r>
+              <a:rPr lang="en-US" dirty="0"/>
+              <a:t> to the </a:t>
+            </a:r>
+            <a:r>
+              <a:rPr lang="en-US" dirty="0">
+                <a:latin typeface="Consolas" panose="020B0609020204030204" pitchFamily="49" charset="0"/>
+                <a:cs typeface="Consolas" panose="020B0609020204030204" pitchFamily="49" charset="0"/>
+              </a:rPr>
+              <a:t>extends</a:t>
+            </a:r>
+          </a:p>
+          <a:p>
+            <a:pPr marL="228600" indent="-228600">
+              <a:buFont typeface="+mj-lt"/>
+              <a:buAutoNum type="arabicPeriod"/>
+            </a:pPr>
+            <a:r>
+              <a:rPr lang="en-US" dirty="0">
+                <a:latin typeface="+mn-lt"/>
+                <a:cs typeface="Consolas" panose="020B0609020204030204" pitchFamily="49" charset="0"/>
+              </a:rPr>
+              <a:t>add </a:t>
+            </a:r>
+            <a:r>
+              <a:rPr lang="en-US" dirty="0">
+                <a:latin typeface="Consolas" panose="020B0609020204030204" pitchFamily="49" charset="0"/>
+                <a:cs typeface="Consolas" panose="020B0609020204030204" pitchFamily="49" charset="0"/>
+              </a:rPr>
+              <a:t>.</a:t>
+            </a:r>
+            <a:r>
+              <a:rPr lang="en-US" dirty="0" err="1">
+                <a:latin typeface="Consolas" panose="020B0609020204030204" pitchFamily="49" charset="0"/>
+                <a:cs typeface="Consolas" panose="020B0609020204030204" pitchFamily="49" charset="0"/>
+              </a:rPr>
+              <a:t>logResponse</a:t>
+            </a:r>
+            <a:r>
+              <a:rPr lang="en-US" dirty="0">
+                <a:latin typeface="Consolas" panose="020B0609020204030204" pitchFamily="49" charset="0"/>
+                <a:cs typeface="Consolas" panose="020B0609020204030204" pitchFamily="49" charset="0"/>
+              </a:rPr>
+              <a:t> </a:t>
+            </a:r>
+            <a:r>
+              <a:rPr lang="en-US" dirty="0">
+                <a:latin typeface="+mn-lt"/>
+                <a:cs typeface="Consolas" panose="020B0609020204030204" pitchFamily="49" charset="0"/>
+              </a:rPr>
+              <a:t>behind the </a:t>
+            </a:r>
+            <a:r>
+              <a:rPr lang="en-US" dirty="0" err="1">
+                <a:latin typeface="Consolas" panose="020B0609020204030204" pitchFamily="49" charset="0"/>
+                <a:cs typeface="Consolas" panose="020B0609020204030204" pitchFamily="49" charset="0"/>
+              </a:rPr>
+              <a:t>ActionResult</a:t>
+            </a:r>
+            <a:endParaRPr lang="en-US" dirty="0">
+              <a:latin typeface="Consolas" panose="020B0609020204030204" pitchFamily="49" charset="0"/>
+              <a:cs typeface="Consolas" panose="020B0609020204030204" pitchFamily="49" charset="0"/>
+            </a:endParaRPr>
+          </a:p>
+          <a:p>
+            <a:pPr marL="0" indent="0">
+              <a:buFont typeface="+mj-lt"/>
+              <a:buNone/>
+            </a:pPr>
+            <a:endParaRPr lang="en-US" dirty="0">
+              <a:latin typeface="+mn-lt"/>
+              <a:cs typeface="Consolas" panose="020B0609020204030204" pitchFamily="49" charset="0"/>
+            </a:endParaRPr>
+          </a:p>
+          <a:p>
+            <a:pPr marL="171450" indent="-171450">
+              <a:buFont typeface="Arial" panose="020B0604020202020204" pitchFamily="34" charset="0"/>
+              <a:buChar char="•"/>
+            </a:pPr>
+            <a:r>
+              <a:rPr lang="en-US" dirty="0" err="1">
+                <a:latin typeface="Consolas" panose="020B0609020204030204" pitchFamily="49" charset="0"/>
+                <a:cs typeface="Consolas" panose="020B0609020204030204" pitchFamily="49" charset="0"/>
+              </a:rPr>
+              <a:t>ServletLogger</a:t>
+            </a:r>
+            <a:r>
+              <a:rPr lang="en-US" dirty="0">
+                <a:latin typeface="+mn-lt"/>
+                <a:cs typeface="Consolas" panose="020B0609020204030204" pitchFamily="49" charset="0"/>
+              </a:rPr>
+              <a:t> ensures automatic request logging</a:t>
+            </a:r>
+          </a:p>
+          <a:p>
+            <a:pPr marL="171450" indent="-171450">
+              <a:buFont typeface="Arial" panose="020B0604020202020204" pitchFamily="34" charset="0"/>
+              <a:buChar char="•"/>
+            </a:pPr>
+            <a:r>
+              <a:rPr lang="en-US" dirty="0" err="1">
+                <a:latin typeface="Consolas" panose="020B0609020204030204" pitchFamily="49" charset="0"/>
+                <a:cs typeface="Consolas" panose="020B0609020204030204" pitchFamily="49" charset="0"/>
+              </a:rPr>
+              <a:t>PlainLogFormatter</a:t>
+            </a:r>
+            <a:r>
+              <a:rPr lang="en-US" dirty="0">
+                <a:latin typeface="+mn-lt"/>
+                <a:cs typeface="Consolas" panose="020B0609020204030204" pitchFamily="49" charset="0"/>
+              </a:rPr>
+              <a:t> specifies the formatting (plain/masked)</a:t>
+            </a:r>
+          </a:p>
+          <a:p>
+            <a:pPr marL="171450" indent="-171450">
+              <a:buFont typeface="Arial" panose="020B0604020202020204" pitchFamily="34" charset="0"/>
+              <a:buChar char="•"/>
+            </a:pPr>
+            <a:r>
+              <a:rPr lang="en-US" dirty="0" err="1">
+                <a:latin typeface="Consolas" panose="020B0609020204030204" pitchFamily="49" charset="0"/>
+                <a:cs typeface="Consolas" panose="020B0609020204030204" pitchFamily="49" charset="0"/>
+              </a:rPr>
+              <a:t>DebugEnhancedLogging</a:t>
+            </a:r>
+            <a:r>
+              <a:rPr lang="en-US" dirty="0">
+                <a:latin typeface="+mn-lt"/>
+                <a:cs typeface="Consolas" panose="020B0609020204030204" pitchFamily="49" charset="0"/>
+              </a:rPr>
+              <a:t> brings in the logger</a:t>
+            </a:r>
+          </a:p>
+        </p:txBody>
+      </p:sp>
+      <p:sp>
+        <p:nvSpPr>
+          <p:cNvPr id="4" name="Slide Number Placeholder 3"/>
+          <p:cNvSpPr>
+            <a:spLocks noGrp="1"/>
+          </p:cNvSpPr>
+          <p:nvPr>
+            <p:ph type="sldNum" sz="quarter" idx="5"/>
+          </p:nvPr>
+        </p:nvSpPr>
+        <p:spPr/>
+        <p:txBody>
+          <a:bodyPr/>
+          <a:lstStyle/>
+          <a:p>
+            <a:fld id="{9D2E8AF1-99A9-3D46-B43C-CF4C4D5441E0}" type="slidenum">
+              <a:rPr lang="en-US" smtClean="0"/>
+              <a:t>9</a:t>
+            </a:fld>
+            <a:endParaRPr lang="en-US"/>
+          </a:p>
+        </p:txBody>
+      </p:sp>
+    </p:spTree>
+    <p:extLst>
+      <p:ext uri="{BB962C8B-B14F-4D97-AF65-F5344CB8AC3E}">
+        <p14:creationId xmlns:p14="http://schemas.microsoft.com/office/powerpoint/2010/main" val="2375388833"/>
+      </p:ext>
+    </p:extLst>
+  </p:cSld>
+  <p:clrMapOvr>
+    <a:masterClrMapping/>
+  </p:clrMapOvr>
+</p:notes>
+</file>
+
+<file path=ppt/notesSlides/notesSlide9.xml><?xml version="1.0" encoding="utf-8"?>
+<p:notes xmlns:a="http://schemas.openxmlformats.org/drawingml/2006/main" xmlns:r="http://schemas.openxmlformats.org/officeDocument/2006/relationships" xmlns:p="http://schemas.openxmlformats.org/presentationml/2006/main">
+  <p:cSld>
+    <p:spTree>
+      <p:nvGrpSpPr>
+        <p:cNvPr id="1" name=""/>
+        <p:cNvGrpSpPr/>
+        <p:nvPr/>
+      </p:nvGrpSpPr>
+      <p:grpSpPr>
+        <a:xfrm>
+          <a:off x="0" y="0"/>
+          <a:ext cx="0" cy="0"/>
+          <a:chOff x="0" y="0"/>
+          <a:chExt cx="0" cy="0"/>
+        </a:xfrm>
+      </p:grpSpPr>
+      <p:sp>
+        <p:nvSpPr>
+          <p:cNvPr id="2" name="Slide Image Placeholder 1"/>
+          <p:cNvSpPr>
+            <a:spLocks noGrp="1" noRot="1" noChangeAspect="1"/>
+          </p:cNvSpPr>
+          <p:nvPr>
+            <p:ph type="sldImg"/>
+          </p:nvPr>
+        </p:nvSpPr>
+        <p:spPr/>
+      </p:sp>
+      <p:sp>
+        <p:nvSpPr>
+          <p:cNvPr id="3" name="Notes Placeholder 2"/>
+          <p:cNvSpPr>
+            <a:spLocks noGrp="1"/>
+          </p:cNvSpPr>
+          <p:nvPr>
+            <p:ph type="body" idx="1"/>
+          </p:nvPr>
+        </p:nvSpPr>
+        <p:spPr/>
+        <p:txBody>
+          <a:bodyPr/>
+          <a:lstStyle/>
+          <a:p>
+            <a:r>
+              <a:rPr lang="en-US" dirty="0"/>
+              <a:t>To get masked logging, use </a:t>
+            </a:r>
+            <a:r>
+              <a:rPr lang="en-US" dirty="0" err="1">
+                <a:latin typeface="Consolas" panose="020B0609020204030204" pitchFamily="49" charset="0"/>
+                <a:cs typeface="Consolas" panose="020B0609020204030204" pitchFamily="49" charset="0"/>
+              </a:rPr>
+              <a:t>MaskedLogFormatter</a:t>
+            </a:r>
+            <a:r>
+              <a:rPr lang="en-US" dirty="0"/>
+              <a:t> instead of </a:t>
+            </a:r>
+            <a:r>
+              <a:rPr lang="en-US" dirty="0" err="1">
+                <a:latin typeface="Consolas" panose="020B0609020204030204" pitchFamily="49" charset="0"/>
+                <a:cs typeface="Consolas" panose="020B0609020204030204" pitchFamily="49" charset="0"/>
+              </a:rPr>
+              <a:t>PlainLogFormatter</a:t>
+            </a:r>
+            <a:endParaRPr lang="en-US" dirty="0">
+              <a:latin typeface="Consolas" panose="020B0609020204030204" pitchFamily="49" charset="0"/>
+              <a:cs typeface="Consolas" panose="020B0609020204030204" pitchFamily="49" charset="0"/>
+            </a:endParaRPr>
+          </a:p>
+        </p:txBody>
+      </p:sp>
+      <p:sp>
+        <p:nvSpPr>
+          <p:cNvPr id="4" name="Slide Number Placeholder 3"/>
+          <p:cNvSpPr>
+            <a:spLocks noGrp="1"/>
+          </p:cNvSpPr>
+          <p:nvPr>
+            <p:ph type="sldNum" sz="quarter" idx="5"/>
+          </p:nvPr>
+        </p:nvSpPr>
+        <p:spPr/>
+        <p:txBody>
+          <a:bodyPr/>
+          <a:lstStyle/>
+          <a:p>
+            <a:fld id="{9D2E8AF1-99A9-3D46-B43C-CF4C4D5441E0}" type="slidenum">
+              <a:rPr lang="en-US" smtClean="0"/>
+              <a:t>10</a:t>
+            </a:fld>
+            <a:endParaRPr lang="en-US"/>
+          </a:p>
+        </p:txBody>
+      </p:sp>
+    </p:spTree>
+    <p:extLst>
+      <p:ext uri="{BB962C8B-B14F-4D97-AF65-F5344CB8AC3E}">
+        <p14:creationId xmlns:p14="http://schemas.microsoft.com/office/powerpoint/2010/main" val="1127736493"/>
+      </p:ext>
+    </p:extLst>
+  </p:cSld>
+  <p:clrMapOvr>
+    <a:masterClrMapping/>
+  </p:clrMapOvr>
+</p:notes>
+</file>
+
 <file path=ppt/slideLayouts/slideLayout1.xml><?xml version="1.0" encoding="utf-8"?>
 <p:sldLayout xmlns:a="http://schemas.openxmlformats.org/drawingml/2006/main" xmlns:r="http://schemas.openxmlformats.org/officeDocument/2006/relationships" xmlns:p="http://schemas.openxmlformats.org/presentationml/2006/main" type="title" preserve="1">
   <p:cSld name="Title Slide">
@@ -753,7 +2006,7 @@
           <a:p>
             <a:fld id="{A91F95E0-5E67-4A48-8929-B20826A4219F}" type="datetimeFigureOut">
               <a:rPr lang="en-US" smtClean="0"/>
-              <a:t>2/18/19</a:t>
+              <a:t>2/19/19</a:t>
             </a:fld>
             <a:endParaRPr lang="en-US"/>
           </a:p>
@@ -951,7 +2204,7 @@
           <a:p>
             <a:fld id="{A91F95E0-5E67-4A48-8929-B20826A4219F}" type="datetimeFigureOut">
               <a:rPr lang="en-US" smtClean="0"/>
-              <a:t>2/18/19</a:t>
+              <a:t>2/19/19</a:t>
             </a:fld>
             <a:endParaRPr lang="en-US"/>
           </a:p>
@@ -1159,7 +2412,7 @@
           <a:p>
             <a:fld id="{A91F95E0-5E67-4A48-8929-B20826A4219F}" type="datetimeFigureOut">
               <a:rPr lang="en-US" smtClean="0"/>
-              <a:t>2/18/19</a:t>
+              <a:t>2/19/19</a:t>
             </a:fld>
             <a:endParaRPr lang="en-US"/>
           </a:p>
@@ -1357,7 +2610,7 @@
           <a:p>
             <a:fld id="{A91F95E0-5E67-4A48-8929-B20826A4219F}" type="datetimeFigureOut">
               <a:rPr lang="en-US" smtClean="0"/>
-              <a:t>2/18/19</a:t>
+              <a:t>2/19/19</a:t>
             </a:fld>
             <a:endParaRPr lang="en-US"/>
           </a:p>
@@ -1632,7 +2885,7 @@
           <a:p>
             <a:fld id="{A91F95E0-5E67-4A48-8929-B20826A4219F}" type="datetimeFigureOut">
               <a:rPr lang="en-US" smtClean="0"/>
-              <a:t>2/18/19</a:t>
+              <a:t>2/19/19</a:t>
             </a:fld>
             <a:endParaRPr lang="en-US"/>
           </a:p>
@@ -1897,7 +3150,7 @@
           <a:p>
             <a:fld id="{A91F95E0-5E67-4A48-8929-B20826A4219F}" type="datetimeFigureOut">
               <a:rPr lang="en-US" smtClean="0"/>
-              <a:t>2/18/19</a:t>
+              <a:t>2/19/19</a:t>
             </a:fld>
             <a:endParaRPr lang="en-US"/>
           </a:p>
@@ -2309,7 +3562,7 @@
           <a:p>
             <a:fld id="{A91F95E0-5E67-4A48-8929-B20826A4219F}" type="datetimeFigureOut">
               <a:rPr lang="en-US" smtClean="0"/>
-              <a:t>2/18/19</a:t>
+              <a:t>2/19/19</a:t>
             </a:fld>
             <a:endParaRPr lang="en-US"/>
           </a:p>
@@ -2450,7 +3703,7 @@
           <a:p>
             <a:fld id="{A91F95E0-5E67-4A48-8929-B20826A4219F}" type="datetimeFigureOut">
               <a:rPr lang="en-US" smtClean="0"/>
-              <a:t>2/18/19</a:t>
+              <a:t>2/19/19</a:t>
             </a:fld>
             <a:endParaRPr lang="en-US"/>
           </a:p>
@@ -2563,7 +3816,7 @@
           <a:p>
             <a:fld id="{A91F95E0-5E67-4A48-8929-B20826A4219F}" type="datetimeFigureOut">
               <a:rPr lang="en-US" smtClean="0"/>
-              <a:t>2/18/19</a:t>
+              <a:t>2/19/19</a:t>
             </a:fld>
             <a:endParaRPr lang="en-US"/>
           </a:p>
@@ -2874,7 +4127,7 @@
           <a:p>
             <a:fld id="{A91F95E0-5E67-4A48-8929-B20826A4219F}" type="datetimeFigureOut">
               <a:rPr lang="en-US" smtClean="0"/>
-              <a:t>2/18/19</a:t>
+              <a:t>2/19/19</a:t>
             </a:fld>
             <a:endParaRPr lang="en-US"/>
           </a:p>
@@ -3162,7 +4415,7 @@
           <a:p>
             <a:fld id="{A91F95E0-5E67-4A48-8929-B20826A4219F}" type="datetimeFigureOut">
               <a:rPr lang="en-US" smtClean="0"/>
-              <a:t>2/18/19</a:t>
+              <a:t>2/19/19</a:t>
             </a:fld>
             <a:endParaRPr lang="en-US"/>
           </a:p>
@@ -3403,7 +4656,7 @@
           <a:p>
             <a:fld id="{A91F95E0-5E67-4A48-8929-B20826A4219F}" type="datetimeFigureOut">
               <a:rPr lang="en-US" smtClean="0"/>
-              <a:t>2/18/19</a:t>
+              <a:t>2/19/19</a:t>
             </a:fld>
             <a:endParaRPr lang="en-US"/>
           </a:p>
@@ -3985,7 +5238,7 @@
             </a:r>
             <a:r>
               <a:rPr lang="en-US" i="1" dirty="0"/>
-              <a:t>masked</a:t>
+              <a:t>masking</a:t>
             </a:r>
             <a:r>
               <a:rPr lang="en-US" dirty="0"/>
@@ -4458,7 +5711,15 @@
           <a:p>
             <a:r>
               <a:rPr lang="en-US" dirty="0"/>
-              <a:t>Example (partial masking)</a:t>
+              <a:t>Example (</a:t>
+            </a:r>
+            <a:r>
+              <a:rPr lang="en-US" i="1" dirty="0"/>
+              <a:t>partial masking</a:t>
+            </a:r>
+            <a:r>
+              <a:rPr lang="en-US" dirty="0"/>
+              <a:t>)</a:t>
             </a:r>
           </a:p>
         </p:txBody>
@@ -4479,7 +5740,12 @@
             <p:ph idx="1"/>
           </p:nvPr>
         </p:nvSpPr>
-        <p:spPr/>
+        <p:spPr>
+          <a:xfrm>
+            <a:off x="838200" y="1825625"/>
+            <a:ext cx="11353800" cy="4351338"/>
+          </a:xfrm>
+        </p:spPr>
         <p:txBody>
           <a:bodyPr>
             <a:noAutofit/>
@@ -4564,7 +5830,17 @@
                 <a:latin typeface="Consolas" panose="020B0609020204030204" pitchFamily="49" charset="0"/>
                 <a:cs typeface="Consolas" panose="020B0609020204030204" pitchFamily="49" charset="0"/>
               </a:rPr>
-              <a:t>._</a:t>
+              <a:t>._ </a:t>
+            </a:r>
+            <a:r>
+              <a:rPr lang="en-US" dirty="0">
+                <a:solidFill>
+                  <a:srgbClr val="3F7F5F"/>
+                </a:solidFill>
+                <a:latin typeface="Consolas" panose="020B0609020204030204" pitchFamily="49" charset="0"/>
+                <a:cs typeface="Consolas" panose="020B0609020204030204" pitchFamily="49" charset="0"/>
+              </a:rPr>
+              <a:t>//IMPORT</a:t>
             </a:r>
             <a:br>
               <a:rPr lang="en-US" dirty="0">
@@ -4932,7 +6208,15 @@
           <a:p>
             <a:r>
               <a:rPr lang="en-US" dirty="0"/>
-              <a:t>Example (partial masking)</a:t>
+              <a:t>Example (</a:t>
+            </a:r>
+            <a:r>
+              <a:rPr lang="en-US" i="1" dirty="0"/>
+              <a:t>partial masking</a:t>
+            </a:r>
+            <a:r>
+              <a:rPr lang="en-US" dirty="0"/>
+              <a:t>)</a:t>
             </a:r>
           </a:p>
         </p:txBody>
@@ -4977,7 +6261,7 @@
           <p:nvPr/>
         </p:nvPicPr>
         <p:blipFill>
-          <a:blip r:embed="rId2"/>
+          <a:blip r:embed="rId3"/>
           <a:stretch>
             <a:fillRect/>
           </a:stretch>
@@ -5057,6 +6341,479 @@
 </p:sld>
 </file>
 
+<file path=ppt/slides/slide13.xml><?xml version="1.0" encoding="utf-8"?>
+<p:sld xmlns:a="http://schemas.openxmlformats.org/drawingml/2006/main" xmlns:r="http://schemas.openxmlformats.org/officeDocument/2006/relationships" xmlns:p="http://schemas.openxmlformats.org/presentationml/2006/main">
+  <p:cSld>
+    <p:spTree>
+      <p:nvGrpSpPr>
+        <p:cNvPr id="1" name=""/>
+        <p:cNvGrpSpPr/>
+        <p:nvPr/>
+      </p:nvGrpSpPr>
+      <p:grpSpPr>
+        <a:xfrm>
+          <a:off x="0" y="0"/>
+          <a:ext cx="0" cy="0"/>
+          <a:chOff x="0" y="0"/>
+          <a:chExt cx="0" cy="0"/>
+        </a:xfrm>
+      </p:grpSpPr>
+      <p:sp>
+        <p:nvSpPr>
+          <p:cNvPr id="2" name="Title 1">
+            <a:extLst>
+              <a:ext uri="{FF2B5EF4-FFF2-40B4-BE49-F238E27FC236}">
+                <a16:creationId xmlns:a16="http://schemas.microsoft.com/office/drawing/2014/main" id="{F22DC392-EFE4-FD49-AA60-8C4F1DB970CB}"/>
+              </a:ext>
+            </a:extLst>
+          </p:cNvPr>
+          <p:cNvSpPr>
+            <a:spLocks noGrp="1"/>
+          </p:cNvSpPr>
+          <p:nvPr>
+            <p:ph type="title"/>
+          </p:nvPr>
+        </p:nvSpPr>
+        <p:spPr/>
+        <p:txBody>
+          <a:bodyPr/>
+          <a:lstStyle/>
+          <a:p>
+            <a:r>
+              <a:rPr lang="en-US" dirty="0" err="1"/>
+              <a:t>Hackethon</a:t>
+            </a:r>
+            <a:endParaRPr lang="en-US" dirty="0"/>
+          </a:p>
+        </p:txBody>
+      </p:sp>
+      <p:sp>
+        <p:nvSpPr>
+          <p:cNvPr id="4" name="Content Placeholder 3">
+            <a:extLst>
+              <a:ext uri="{FF2B5EF4-FFF2-40B4-BE49-F238E27FC236}">
+                <a16:creationId xmlns:a16="http://schemas.microsoft.com/office/drawing/2014/main" id="{9471D50F-E5E3-D543-B308-F18A7B730D89}"/>
+              </a:ext>
+            </a:extLst>
+          </p:cNvPr>
+          <p:cNvSpPr>
+            <a:spLocks noGrp="1"/>
+          </p:cNvSpPr>
+          <p:nvPr>
+            <p:ph sz="half" idx="1"/>
+          </p:nvPr>
+        </p:nvSpPr>
+        <p:spPr/>
+        <p:txBody>
+          <a:bodyPr>
+            <a:noAutofit/>
+          </a:bodyPr>
+          <a:lstStyle/>
+          <a:p>
+            <a:r>
+              <a:rPr lang="en-US" dirty="0"/>
+              <a:t> easy-</a:t>
+            </a:r>
+            <a:r>
+              <a:rPr lang="en-US" dirty="0" err="1"/>
+              <a:t>auth</a:t>
+            </a:r>
+            <a:r>
+              <a:rPr lang="en-US" dirty="0"/>
+              <a:t>-info</a:t>
+            </a:r>
+          </a:p>
+          <a:p>
+            <a:r>
+              <a:rPr lang="en-US" dirty="0"/>
+              <a:t> easy-bag-index</a:t>
+            </a:r>
+          </a:p>
+          <a:p>
+            <a:r>
+              <a:rPr lang="en-US" dirty="0"/>
+              <a:t> easy-bag-store</a:t>
+            </a:r>
+          </a:p>
+          <a:p>
+            <a:r>
+              <a:rPr lang="en-US" dirty="0"/>
+              <a:t> easy-deposit-agreement-creator</a:t>
+            </a:r>
+          </a:p>
+          <a:p>
+            <a:r>
+              <a:rPr lang="en-US" dirty="0"/>
+              <a:t> easy-deposit-</a:t>
+            </a:r>
+            <a:r>
+              <a:rPr lang="en-US" dirty="0" err="1"/>
+              <a:t>api</a:t>
+            </a:r>
+            <a:endParaRPr lang="en-US" dirty="0"/>
+          </a:p>
+          <a:p>
+            <a:r>
+              <a:rPr lang="en-US" dirty="0"/>
+              <a:t> easy-download</a:t>
+            </a:r>
+          </a:p>
+          <a:p>
+            <a:r>
+              <a:rPr lang="en-US" dirty="0"/>
+              <a:t> easy-</a:t>
+            </a:r>
+            <a:r>
+              <a:rPr lang="en-US" dirty="0" err="1"/>
+              <a:t>pid</a:t>
+            </a:r>
+            <a:r>
+              <a:rPr lang="en-US" dirty="0"/>
+              <a:t>-generator</a:t>
+            </a:r>
+          </a:p>
+          <a:p>
+            <a:r>
+              <a:rPr lang="en-US" dirty="0"/>
+              <a:t> easy-solr4files-index</a:t>
+            </a:r>
+          </a:p>
+          <a:p>
+            <a:r>
+              <a:rPr lang="en-US" dirty="0"/>
+              <a:t> </a:t>
+            </a:r>
+            <a:r>
+              <a:rPr lang="en-US" strike="sngStrike" dirty="0"/>
+              <a:t>easy-sword2</a:t>
+            </a:r>
+          </a:p>
+          <a:p>
+            <a:r>
+              <a:rPr lang="en-US" dirty="0"/>
+              <a:t> easy-validate-</a:t>
+            </a:r>
+            <a:r>
+              <a:rPr lang="en-US" dirty="0" err="1"/>
+              <a:t>dans</a:t>
+            </a:r>
+            <a:r>
+              <a:rPr lang="en-US" dirty="0"/>
+              <a:t>-bag</a:t>
+            </a:r>
+          </a:p>
+        </p:txBody>
+      </p:sp>
+      <p:sp>
+        <p:nvSpPr>
+          <p:cNvPr id="5" name="Content Placeholder 4">
+            <a:extLst>
+              <a:ext uri="{FF2B5EF4-FFF2-40B4-BE49-F238E27FC236}">
+                <a16:creationId xmlns:a16="http://schemas.microsoft.com/office/drawing/2014/main" id="{A40F340A-8C34-854C-AB48-DC51627B5809}"/>
+              </a:ext>
+            </a:extLst>
+          </p:cNvPr>
+          <p:cNvSpPr>
+            <a:spLocks noGrp="1"/>
+          </p:cNvSpPr>
+          <p:nvPr>
+            <p:ph sz="half" idx="2"/>
+          </p:nvPr>
+        </p:nvSpPr>
+        <p:spPr/>
+        <p:txBody>
+          <a:bodyPr>
+            <a:normAutofit/>
+          </a:bodyPr>
+          <a:lstStyle/>
+          <a:p>
+            <a:r>
+              <a:rPr lang="en-US" dirty="0"/>
+              <a:t> </a:t>
+            </a:r>
+            <a:r>
+              <a:rPr lang="en-US" dirty="0" err="1"/>
+              <a:t>narcis</a:t>
+            </a:r>
+            <a:r>
+              <a:rPr lang="en-US" dirty="0"/>
+              <a:t>-</a:t>
+            </a:r>
+            <a:r>
+              <a:rPr lang="en-US" dirty="0" err="1"/>
+              <a:t>pid</a:t>
+            </a:r>
+            <a:r>
+              <a:rPr lang="en-US" dirty="0"/>
+              <a:t>-aggregator</a:t>
+            </a:r>
+          </a:p>
+          <a:p>
+            <a:r>
+              <a:rPr lang="en-US" dirty="0"/>
+              <a:t> </a:t>
+            </a:r>
+            <a:r>
+              <a:rPr lang="en-US" dirty="0" err="1"/>
+              <a:t>narcis</a:t>
+            </a:r>
+            <a:r>
+              <a:rPr lang="en-US" dirty="0"/>
+              <a:t>-</a:t>
+            </a:r>
+            <a:r>
+              <a:rPr lang="en-US" dirty="0" err="1"/>
+              <a:t>pid</a:t>
+            </a:r>
+            <a:r>
+              <a:rPr lang="en-US" dirty="0"/>
+              <a:t>-manager</a:t>
+            </a:r>
+          </a:p>
+          <a:p>
+            <a:r>
+              <a:rPr lang="en-US" dirty="0"/>
+              <a:t> </a:t>
+            </a:r>
+            <a:r>
+              <a:rPr lang="en-US" dirty="0" err="1"/>
+              <a:t>narcis</a:t>
+            </a:r>
+            <a:r>
+              <a:rPr lang="en-US" dirty="0"/>
+              <a:t>-</a:t>
+            </a:r>
+            <a:r>
+              <a:rPr lang="en-US" dirty="0" err="1"/>
+              <a:t>pid</a:t>
+            </a:r>
+            <a:r>
+              <a:rPr lang="en-US" dirty="0"/>
+              <a:t>-graph</a:t>
+            </a:r>
+          </a:p>
+        </p:txBody>
+      </p:sp>
+    </p:spTree>
+    <p:extLst>
+      <p:ext uri="{BB962C8B-B14F-4D97-AF65-F5344CB8AC3E}">
+        <p14:creationId xmlns:p14="http://schemas.microsoft.com/office/powerpoint/2010/main" val="2046986999"/>
+      </p:ext>
+    </p:extLst>
+  </p:cSld>
+  <p:clrMapOvr>
+    <a:masterClrMapping/>
+  </p:clrMapOvr>
+</p:sld>
+</file>
+
+<file path=ppt/slides/slide14.xml><?xml version="1.0" encoding="utf-8"?>
+<p:sld xmlns:a="http://schemas.openxmlformats.org/drawingml/2006/main" xmlns:r="http://schemas.openxmlformats.org/officeDocument/2006/relationships" xmlns:p="http://schemas.openxmlformats.org/presentationml/2006/main">
+  <p:cSld>
+    <p:spTree>
+      <p:nvGrpSpPr>
+        <p:cNvPr id="1" name=""/>
+        <p:cNvGrpSpPr/>
+        <p:nvPr/>
+      </p:nvGrpSpPr>
+      <p:grpSpPr>
+        <a:xfrm>
+          <a:off x="0" y="0"/>
+          <a:ext cx="0" cy="0"/>
+          <a:chOff x="0" y="0"/>
+          <a:chExt cx="0" cy="0"/>
+        </a:xfrm>
+      </p:grpSpPr>
+      <p:sp>
+        <p:nvSpPr>
+          <p:cNvPr id="2" name="Title 1">
+            <a:extLst>
+              <a:ext uri="{FF2B5EF4-FFF2-40B4-BE49-F238E27FC236}">
+                <a16:creationId xmlns:a16="http://schemas.microsoft.com/office/drawing/2014/main" id="{A2C79537-E789-0A47-BED8-A4847379DE4C}"/>
+              </a:ext>
+            </a:extLst>
+          </p:cNvPr>
+          <p:cNvSpPr>
+            <a:spLocks noGrp="1"/>
+          </p:cNvSpPr>
+          <p:nvPr>
+            <p:ph type="title"/>
+          </p:nvPr>
+        </p:nvSpPr>
+        <p:spPr/>
+        <p:txBody>
+          <a:bodyPr/>
+          <a:lstStyle/>
+          <a:p>
+            <a:r>
+              <a:rPr lang="en-US" dirty="0" err="1"/>
+              <a:t>Hackethon</a:t>
+            </a:r>
+            <a:r>
+              <a:rPr lang="en-US" dirty="0"/>
+              <a:t> (tasks for each project)</a:t>
+            </a:r>
+          </a:p>
+        </p:txBody>
+      </p:sp>
+      <p:sp>
+        <p:nvSpPr>
+          <p:cNvPr id="5" name="Content Placeholder 4">
+            <a:extLst>
+              <a:ext uri="{FF2B5EF4-FFF2-40B4-BE49-F238E27FC236}">
+                <a16:creationId xmlns:a16="http://schemas.microsoft.com/office/drawing/2014/main" id="{D1AA2631-9333-CB43-9B0B-4BF6C10B2EA7}"/>
+              </a:ext>
+            </a:extLst>
+          </p:cNvPr>
+          <p:cNvSpPr>
+            <a:spLocks noGrp="1"/>
+          </p:cNvSpPr>
+          <p:nvPr>
+            <p:ph idx="1"/>
+          </p:nvPr>
+        </p:nvSpPr>
+        <p:spPr/>
+        <p:txBody>
+          <a:bodyPr/>
+          <a:lstStyle/>
+          <a:p>
+            <a:pPr marL="514350" indent="-514350">
+              <a:buFont typeface="+mj-lt"/>
+              <a:buAutoNum type="arabicPeriod"/>
+            </a:pPr>
+            <a:r>
+              <a:rPr lang="en-US" dirty="0"/>
+              <a:t>Add </a:t>
+            </a:r>
+            <a:r>
+              <a:rPr lang="en-US" dirty="0" err="1"/>
+              <a:t>dans</a:t>
+            </a:r>
+            <a:r>
+              <a:rPr lang="en-US" dirty="0"/>
+              <a:t>-</a:t>
+            </a:r>
+            <a:r>
+              <a:rPr lang="en-US" dirty="0" err="1"/>
+              <a:t>scala</a:t>
+            </a:r>
+            <a:r>
+              <a:rPr lang="en-US" dirty="0"/>
+              <a:t>-lib </a:t>
+            </a:r>
+            <a:r>
+              <a:rPr lang="en-US" b="1" u="sng" dirty="0"/>
+              <a:t>v1.5.0</a:t>
+            </a:r>
+            <a:r>
+              <a:rPr lang="en-US" dirty="0"/>
+              <a:t> to </a:t>
+            </a:r>
+            <a:r>
+              <a:rPr lang="en-US" dirty="0" err="1">
+                <a:latin typeface="Consolas" panose="020B0609020204030204" pitchFamily="49" charset="0"/>
+                <a:cs typeface="Consolas" panose="020B0609020204030204" pitchFamily="49" charset="0"/>
+              </a:rPr>
+              <a:t>pom.xml</a:t>
+            </a:r>
+            <a:endParaRPr lang="en-US" dirty="0">
+              <a:latin typeface="Consolas" panose="020B0609020204030204" pitchFamily="49" charset="0"/>
+              <a:cs typeface="Consolas" panose="020B0609020204030204" pitchFamily="49" charset="0"/>
+            </a:endParaRPr>
+          </a:p>
+          <a:p>
+            <a:pPr marL="514350" indent="-514350">
+              <a:buFont typeface="+mj-lt"/>
+              <a:buAutoNum type="arabicPeriod"/>
+            </a:pPr>
+            <a:r>
+              <a:rPr lang="en-US" dirty="0"/>
+              <a:t>Add logging to each servlet</a:t>
+            </a:r>
+          </a:p>
+          <a:p>
+            <a:pPr marL="514350" indent="-514350">
+              <a:buFont typeface="+mj-lt"/>
+              <a:buAutoNum type="arabicPeriod"/>
+            </a:pPr>
+            <a:r>
+              <a:rPr lang="en-US" dirty="0"/>
+              <a:t>Deploy on </a:t>
+            </a:r>
+            <a:r>
+              <a:rPr lang="en-US" dirty="0" err="1"/>
+              <a:t>deasy</a:t>
+            </a:r>
+            <a:r>
+              <a:rPr lang="en-US" dirty="0"/>
+              <a:t> and test that the logging shows up in</a:t>
+            </a:r>
+            <a:br>
+              <a:rPr lang="en-US" dirty="0"/>
+            </a:br>
+            <a:r>
+              <a:rPr lang="en-US" dirty="0">
+                <a:latin typeface="Consolas" panose="020B0609020204030204" pitchFamily="49" charset="0"/>
+                <a:cs typeface="Consolas" panose="020B0609020204030204" pitchFamily="49" charset="0"/>
+              </a:rPr>
+              <a:t>/</a:t>
+            </a:r>
+            <a:r>
+              <a:rPr lang="en-US" dirty="0" err="1">
+                <a:latin typeface="Consolas" panose="020B0609020204030204" pitchFamily="49" charset="0"/>
+                <a:cs typeface="Consolas" panose="020B0609020204030204" pitchFamily="49" charset="0"/>
+              </a:rPr>
+              <a:t>var</a:t>
+            </a:r>
+            <a:r>
+              <a:rPr lang="en-US" dirty="0">
+                <a:latin typeface="Consolas" panose="020B0609020204030204" pitchFamily="49" charset="0"/>
+                <a:cs typeface="Consolas" panose="020B0609020204030204" pitchFamily="49" charset="0"/>
+              </a:rPr>
+              <a:t>/opt/</a:t>
+            </a:r>
+            <a:r>
+              <a:rPr lang="en-US" dirty="0" err="1">
+                <a:latin typeface="Consolas" panose="020B0609020204030204" pitchFamily="49" charset="0"/>
+                <a:cs typeface="Consolas" panose="020B0609020204030204" pitchFamily="49" charset="0"/>
+              </a:rPr>
+              <a:t>dans.knaw.nl</a:t>
+            </a:r>
+            <a:r>
+              <a:rPr lang="en-US" dirty="0">
+                <a:latin typeface="Consolas" panose="020B0609020204030204" pitchFamily="49" charset="0"/>
+                <a:cs typeface="Consolas" panose="020B0609020204030204" pitchFamily="49" charset="0"/>
+              </a:rPr>
+              <a:t>/log/easy-*/easy-*.log</a:t>
+            </a:r>
+          </a:p>
+          <a:p>
+            <a:pPr marL="514350" indent="-514350">
+              <a:buFont typeface="+mj-lt"/>
+              <a:buAutoNum type="arabicPeriod"/>
+            </a:pPr>
+            <a:r>
+              <a:rPr lang="en-US" dirty="0">
+                <a:cs typeface="Consolas" panose="020B0609020204030204" pitchFamily="49" charset="0"/>
+              </a:rPr>
+              <a:t>Create a pull request</a:t>
+            </a:r>
+          </a:p>
+        </p:txBody>
+      </p:sp>
+    </p:spTree>
+    <p:extLst>
+      <p:ext uri="{BB962C8B-B14F-4D97-AF65-F5344CB8AC3E}">
+        <p14:creationId xmlns:p14="http://schemas.microsoft.com/office/powerpoint/2010/main" val="3942980757"/>
+      </p:ext>
+    </p:extLst>
+  </p:cSld>
+  <p:clrMapOvr>
+    <a:masterClrMapping/>
+  </p:clrMapOvr>
+</p:sld>
+</file>
+
 <file path=ppt/slides/slide2.xml><?xml version="1.0" encoding="utf-8"?>
 <p:sld xmlns:a="http://schemas.openxmlformats.org/drawingml/2006/main" xmlns:r="http://schemas.openxmlformats.org/officeDocument/2006/relationships" xmlns:p="http://schemas.openxmlformats.org/presentationml/2006/main">
   <p:cSld>
@@ -5201,7 +6958,7 @@
           <a:p>
             <a:r>
               <a:rPr lang="en-US" dirty="0"/>
-              <a:t>Log output</a:t>
+              <a:t>Log output (GET)</a:t>
             </a:r>
           </a:p>
         </p:txBody>
@@ -5248,7 +7005,7 @@
               <a:rPr lang="en-US" dirty="0">
                 <a:latin typeface="Consolas" panose="020B0609020204030204" pitchFamily="49" charset="0"/>
                 <a:cs typeface="Consolas" panose="020B0609020204030204" pitchFamily="49" charset="0"/>
-                <a:hlinkClick r:id="rId2"/>
+                <a:hlinkClick r:id="rId3"/>
               </a:rPr>
               <a:t>http://deasy.dans.knaw.nl:20140/</a:t>
             </a:r>
@@ -5422,7 +7179,15 @@
           <a:p>
             <a:r>
               <a:rPr lang="en-US" dirty="0"/>
-              <a:t>Log output</a:t>
+              <a:t>Log output (</a:t>
+            </a:r>
+            <a:r>
+              <a:rPr lang="en-US" i="1" dirty="0"/>
+              <a:t>invalid POST call</a:t>
+            </a:r>
+            <a:r>
+              <a:rPr lang="en-US" dirty="0"/>
+              <a:t>)</a:t>
             </a:r>
           </a:p>
         </p:txBody>
@@ -5482,7 +7247,7 @@
               <a:rPr lang="nn-NO" dirty="0">
                 <a:latin typeface="Consolas" panose="020B0609020204030204" pitchFamily="49" charset="0"/>
                 <a:cs typeface="Consolas" panose="020B0609020204030204" pitchFamily="49" charset="0"/>
-                <a:hlinkClick r:id="rId2"/>
+                <a:hlinkClick r:id="rId3"/>
               </a:rPr>
               <a:t>http://deasy.dans.knaw.nl:20140/create?doi</a:t>
             </a:r>
@@ -5589,7 +7354,7 @@
                 <a:latin typeface="Consolas" panose="020B0609020204030204" pitchFamily="49" charset="0"/>
                 <a:cs typeface="Consolas" panose="020B0609020204030204" pitchFamily="49" charset="0"/>
               </a:rPr>
-              <a:t>[2019-02-18 13:49:04,132] INFO  POST http://deasy.dans.knaw.nl:20140/create returned </a:t>
+              <a:t>[2019-02-18 13:49:04,132] INFO  POST http://deasy.dans.knaw.nl:20140/create </a:t>
             </a:r>
             <a:r>
               <a:rPr lang="en-US" b="1" dirty="0">
@@ -5599,7 +7364,7 @@
                 <a:latin typeface="Consolas" panose="020B0609020204030204" pitchFamily="49" charset="0"/>
                 <a:cs typeface="Consolas" panose="020B0609020204030204" pitchFamily="49" charset="0"/>
               </a:rPr>
-              <a:t>status=400</a:t>
+              <a:t>returned status=400</a:t>
             </a:r>
             <a:r>
               <a:rPr lang="en-US" dirty="0">
@@ -5692,7 +7457,19 @@
           <a:p>
             <a:r>
               <a:rPr lang="en-US" dirty="0"/>
-              <a:t>Log output</a:t>
+              <a:t>Log output (</a:t>
+            </a:r>
+            <a:r>
+              <a:rPr lang="en-US" i="1" dirty="0"/>
+              <a:t>POST with </a:t>
+            </a:r>
+            <a:r>
+              <a:rPr lang="en-US" i="1" dirty="0" err="1"/>
+              <a:t>params</a:t>
+            </a:r>
+            <a:r>
+              <a:rPr lang="en-US" dirty="0"/>
+              <a:t>)</a:t>
             </a:r>
           </a:p>
         </p:txBody>
@@ -5746,7 +7523,7 @@
               <a:rPr lang="nn-NO" dirty="0">
                 <a:latin typeface="Consolas" panose="020B0609020204030204" pitchFamily="49" charset="0"/>
                 <a:cs typeface="Consolas" panose="020B0609020204030204" pitchFamily="49" charset="0"/>
-                <a:hlinkClick r:id="rId2"/>
+                <a:hlinkClick r:id="rId3"/>
               </a:rPr>
               <a:t>http://deasy.dans.knaw.nl:20140/create?type=doi</a:t>
             </a:r>
@@ -5833,7 +7610,7 @@
                 <a:latin typeface="Consolas" panose="020B0609020204030204" pitchFamily="49" charset="0"/>
                 <a:cs typeface="Consolas" panose="020B0609020204030204" pitchFamily="49" charset="0"/>
               </a:rPr>
-              <a:t>[2019-02-18 13:49:41,432] INFO  POST http://deasy.dans.knaw.nl:20140/create returned </a:t>
+              <a:t>[2019-02-18 13:49:41,432] INFO  POST http://deasy.dans.knaw.nl:20140/create </a:t>
             </a:r>
             <a:r>
               <a:rPr lang="en-US" b="1" dirty="0">
@@ -5843,7 +7620,7 @@
                 <a:latin typeface="Consolas" panose="020B0609020204030204" pitchFamily="49" charset="0"/>
                 <a:cs typeface="Consolas" panose="020B0609020204030204" pitchFamily="49" charset="0"/>
               </a:rPr>
-              <a:t>status=201</a:t>
+              <a:t>returned status=201</a:t>
             </a:r>
             <a:r>
               <a:rPr lang="en-US" dirty="0">
@@ -5936,7 +7713,15 @@
           <a:p>
             <a:r>
               <a:rPr lang="en-US" dirty="0"/>
-              <a:t>Log output (masked)</a:t>
+              <a:t>Log output (</a:t>
+            </a:r>
+            <a:r>
+              <a:rPr lang="en-US" i="1" dirty="0"/>
+              <a:t>masked</a:t>
+            </a:r>
+            <a:r>
+              <a:rPr lang="en-US" dirty="0"/>
+              <a:t>)</a:t>
             </a:r>
           </a:p>
         </p:txBody>
@@ -6024,7 +7809,30 @@
                 <a:latin typeface="Consolas" panose="020B0609020204030204" pitchFamily="49" charset="0"/>
                 <a:cs typeface="Consolas" panose="020B0609020204030204" pitchFamily="49" charset="0"/>
               </a:rPr>
-              <a:t>/login remote=0:0:0:0:0:0:0:1; </a:t>
+              <a:t>/login</a:t>
+            </a:r>
+            <a:br>
+              <a:rPr lang="en-US" dirty="0">
+                <a:latin typeface="Consolas" panose="020B0609020204030204" pitchFamily="49" charset="0"/>
+                <a:cs typeface="Consolas" panose="020B0609020204030204" pitchFamily="49" charset="0"/>
+              </a:rPr>
+            </a:br>
+            <a:r>
+              <a:rPr lang="en-US" b="1" dirty="0">
+                <a:solidFill>
+                  <a:srgbClr val="00B050"/>
+                </a:solidFill>
+                <a:latin typeface="Consolas" panose="020B0609020204030204" pitchFamily="49" charset="0"/>
+                <a:cs typeface="Consolas" panose="020B0609020204030204" pitchFamily="49" charset="0"/>
+              </a:rPr>
+              <a:t>remote=**.**.**.1</a:t>
+            </a:r>
+            <a:r>
+              <a:rPr lang="en-US" dirty="0">
+                <a:latin typeface="Consolas" panose="020B0609020204030204" pitchFamily="49" charset="0"/>
+                <a:cs typeface="Consolas" panose="020B0609020204030204" pitchFamily="49" charset="0"/>
+              </a:rPr>
+              <a:t>; </a:t>
             </a:r>
             <a:r>
               <a:rPr lang="en-US" dirty="0" err="1">
@@ -6268,16 +8076,15 @@
             <p:ph idx="1"/>
           </p:nvPr>
         </p:nvPicPr>
-        <p:blipFill>
-          <a:blip r:embed="rId2"/>
-          <a:stretch>
-            <a:fillRect/>
-          </a:stretch>
+        <p:blipFill rotWithShape="1">
+          <a:blip r:embed="rId3"/>
+          <a:srcRect r="47905"/>
+          <a:stretch/>
         </p:blipFill>
         <p:spPr>
           <a:xfrm>
-            <a:off x="0" y="3520965"/>
-            <a:ext cx="12192000" cy="1135117"/>
+            <a:off x="-2" y="2500401"/>
+            <a:ext cx="12192002" cy="2047638"/>
           </a:xfrm>
           <a:prstGeom prst="rect">
             <a:avLst/>
@@ -6700,7 +8507,15 @@
           <a:p>
             <a:r>
               <a:rPr lang="en-US" dirty="0"/>
-              <a:t>Example</a:t>
+              <a:t>Example (</a:t>
+            </a:r>
+            <a:r>
+              <a:rPr lang="en-US" i="1" dirty="0"/>
+              <a:t>plain logging</a:t>
+            </a:r>
+            <a:r>
+              <a:rPr lang="en-US" dirty="0"/>
+              <a:t>)</a:t>
             </a:r>
           </a:p>
         </p:txBody>
@@ -7173,7 +8988,7 @@
     </p:spTree>
     <p:extLst>
       <p:ext uri="{BB962C8B-B14F-4D97-AF65-F5344CB8AC3E}">
-        <p14:creationId xmlns:p14="http://schemas.microsoft.com/office/powerpoint/2010/main" val="2133731063"/>
+        <p14:creationId xmlns:p14="http://schemas.microsoft.com/office/powerpoint/2010/main" val="3005451079"/>
       </p:ext>
     </p:extLst>
   </p:cSld>

--- a/Presentation.pptx
+++ b/Presentation.pptx
@@ -6380,10 +6380,9 @@
           <a:lstStyle/>
           <a:p>
             <a:r>
-              <a:rPr lang="en-US" dirty="0" err="1"/>
-              <a:t>Hackethon</a:t>
-            </a:r>
-            <a:endParaRPr lang="en-US" dirty="0"/>
+              <a:rPr lang="en-US" dirty="0"/>
+              <a:t>Hackathon</a:t>
+            </a:r>
           </a:p>
         </p:txBody>
       </p:sp>
@@ -6646,12 +6645,8 @@
           <a:lstStyle/>
           <a:p>
             <a:r>
-              <a:rPr lang="en-US" dirty="0" err="1"/>
-              <a:t>Hackethon</a:t>
-            </a:r>
-            <a:r>
               <a:rPr lang="en-US" dirty="0"/>
-              <a:t> (tasks for each project)</a:t>
+              <a:t>Hackathon (tasks for each project)</a:t>
             </a:r>
           </a:p>
         </p:txBody>
